--- a/assets/images/210603-EfficientNetV2/210603-EfficientNetV2.pptx
+++ b/assets/images/210603-EfficientNetV2/210603-EfficientNetV2.pptx
@@ -6,19 +6,19 @@
   </p:sldMasterIdLst>
   <p:sldIdLst>
     <p:sldId id="256" r:id="rId2"/>
-    <p:sldId id="257" r:id="rId3"/>
+    <p:sldId id="270" r:id="rId3"/>
     <p:sldId id="258" r:id="rId4"/>
-    <p:sldId id="259" r:id="rId5"/>
-    <p:sldId id="260" r:id="rId6"/>
-    <p:sldId id="261" r:id="rId7"/>
-    <p:sldId id="262" r:id="rId8"/>
-    <p:sldId id="263" r:id="rId9"/>
-    <p:sldId id="264" r:id="rId10"/>
-    <p:sldId id="265" r:id="rId11"/>
-    <p:sldId id="266" r:id="rId12"/>
+    <p:sldId id="263" r:id="rId5"/>
+    <p:sldId id="264" r:id="rId6"/>
+    <p:sldId id="259" r:id="rId7"/>
+    <p:sldId id="260" r:id="rId8"/>
+    <p:sldId id="261" r:id="rId9"/>
+    <p:sldId id="265" r:id="rId10"/>
+    <p:sldId id="266" r:id="rId11"/>
+    <p:sldId id="269" r:id="rId12"/>
     <p:sldId id="267" r:id="rId13"/>
-    <p:sldId id="268" r:id="rId14"/>
-    <p:sldId id="269" r:id="rId15"/>
+    <p:sldId id="271" r:id="rId14"/>
+    <p:sldId id="268" r:id="rId15"/>
   </p:sldIdLst>
   <p:sldSz cx="12192000" cy="6858000"/>
   <p:notesSz cx="6858000" cy="9144000"/>
@@ -117,6 +117,11 @@
       </a:defRPr>
     </a:lvl9pPr>
   </p:defaultTextStyle>
+  <p:extLst>
+    <p:ext uri="{EFAFB233-063F-42B5-8137-9DF3F51BA10A}">
+      <p15:sldGuideLst xmlns:p15="http://schemas.microsoft.com/office/powerpoint/2012/main"/>
+    </p:ext>
+  </p:extLst>
 </p:presentation>
 </file>
 
@@ -267,7 +272,7 @@
           <a:p>
             <a:fld id="{C4198592-669F-4FF6-BE92-34F7724AAF4C}" type="datetimeFigureOut">
               <a:rPr lang="ko-KR" altLang="en-US" smtClean="0"/>
-              <a:t>2021-06-03</a:t>
+              <a:t>2021-07-11</a:t>
             </a:fld>
             <a:endParaRPr lang="ko-KR" altLang="en-US"/>
           </a:p>
@@ -465,7 +470,7 @@
           <a:p>
             <a:fld id="{C4198592-669F-4FF6-BE92-34F7724AAF4C}" type="datetimeFigureOut">
               <a:rPr lang="ko-KR" altLang="en-US" smtClean="0"/>
-              <a:t>2021-06-03</a:t>
+              <a:t>2021-07-11</a:t>
             </a:fld>
             <a:endParaRPr lang="ko-KR" altLang="en-US"/>
           </a:p>
@@ -673,7 +678,7 @@
           <a:p>
             <a:fld id="{C4198592-669F-4FF6-BE92-34F7724AAF4C}" type="datetimeFigureOut">
               <a:rPr lang="ko-KR" altLang="en-US" smtClean="0"/>
-              <a:t>2021-06-03</a:t>
+              <a:t>2021-07-11</a:t>
             </a:fld>
             <a:endParaRPr lang="ko-KR" altLang="en-US"/>
           </a:p>
@@ -871,7 +876,7 @@
           <a:p>
             <a:fld id="{C4198592-669F-4FF6-BE92-34F7724AAF4C}" type="datetimeFigureOut">
               <a:rPr lang="ko-KR" altLang="en-US" smtClean="0"/>
-              <a:t>2021-06-03</a:t>
+              <a:t>2021-07-11</a:t>
             </a:fld>
             <a:endParaRPr lang="ko-KR" altLang="en-US"/>
           </a:p>
@@ -1146,7 +1151,7 @@
           <a:p>
             <a:fld id="{C4198592-669F-4FF6-BE92-34F7724AAF4C}" type="datetimeFigureOut">
               <a:rPr lang="ko-KR" altLang="en-US" smtClean="0"/>
-              <a:t>2021-06-03</a:t>
+              <a:t>2021-07-11</a:t>
             </a:fld>
             <a:endParaRPr lang="ko-KR" altLang="en-US"/>
           </a:p>
@@ -1411,7 +1416,7 @@
           <a:p>
             <a:fld id="{C4198592-669F-4FF6-BE92-34F7724AAF4C}" type="datetimeFigureOut">
               <a:rPr lang="ko-KR" altLang="en-US" smtClean="0"/>
-              <a:t>2021-06-03</a:t>
+              <a:t>2021-07-11</a:t>
             </a:fld>
             <a:endParaRPr lang="ko-KR" altLang="en-US"/>
           </a:p>
@@ -1823,7 +1828,7 @@
           <a:p>
             <a:fld id="{C4198592-669F-4FF6-BE92-34F7724AAF4C}" type="datetimeFigureOut">
               <a:rPr lang="ko-KR" altLang="en-US" smtClean="0"/>
-              <a:t>2021-06-03</a:t>
+              <a:t>2021-07-11</a:t>
             </a:fld>
             <a:endParaRPr lang="ko-KR" altLang="en-US"/>
           </a:p>
@@ -1964,7 +1969,7 @@
           <a:p>
             <a:fld id="{C4198592-669F-4FF6-BE92-34F7724AAF4C}" type="datetimeFigureOut">
               <a:rPr lang="ko-KR" altLang="en-US" smtClean="0"/>
-              <a:t>2021-06-03</a:t>
+              <a:t>2021-07-11</a:t>
             </a:fld>
             <a:endParaRPr lang="ko-KR" altLang="en-US"/>
           </a:p>
@@ -2077,7 +2082,7 @@
           <a:p>
             <a:fld id="{C4198592-669F-4FF6-BE92-34F7724AAF4C}" type="datetimeFigureOut">
               <a:rPr lang="ko-KR" altLang="en-US" smtClean="0"/>
-              <a:t>2021-06-03</a:t>
+              <a:t>2021-07-11</a:t>
             </a:fld>
             <a:endParaRPr lang="ko-KR" altLang="en-US"/>
           </a:p>
@@ -2388,7 +2393,7 @@
           <a:p>
             <a:fld id="{C4198592-669F-4FF6-BE92-34F7724AAF4C}" type="datetimeFigureOut">
               <a:rPr lang="ko-KR" altLang="en-US" smtClean="0"/>
-              <a:t>2021-06-03</a:t>
+              <a:t>2021-07-11</a:t>
             </a:fld>
             <a:endParaRPr lang="ko-KR" altLang="en-US"/>
           </a:p>
@@ -2676,7 +2681,7 @@
           <a:p>
             <a:fld id="{C4198592-669F-4FF6-BE92-34F7724AAF4C}" type="datetimeFigureOut">
               <a:rPr lang="ko-KR" altLang="en-US" smtClean="0"/>
-              <a:t>2021-06-03</a:t>
+              <a:t>2021-07-11</a:t>
             </a:fld>
             <a:endParaRPr lang="ko-KR" altLang="en-US"/>
           </a:p>
@@ -2917,7 +2922,7 @@
           <a:p>
             <a:fld id="{C4198592-669F-4FF6-BE92-34F7724AAF4C}" type="datetimeFigureOut">
               <a:rPr lang="ko-KR" altLang="en-US" smtClean="0"/>
-              <a:t>2021-06-03</a:t>
+              <a:t>2021-07-11</a:t>
             </a:fld>
             <a:endParaRPr lang="ko-KR" altLang="en-US"/>
           </a:p>
@@ -3334,86 +3339,107 @@
           <a:chExt cx="0" cy="0"/>
         </a:xfrm>
       </p:grpSpPr>
-      <p:sp>
-        <p:nvSpPr>
-          <p:cNvPr id="2" name="제목 1">
-            <a:extLst>
-              <a:ext uri="{FF2B5EF4-FFF2-40B4-BE49-F238E27FC236}">
-                <a16:creationId xmlns:a16="http://schemas.microsoft.com/office/drawing/2014/main" id="{DB1E06F5-3640-4105-B141-B38945B90C37}"/>
-              </a:ext>
-            </a:extLst>
-          </p:cNvPr>
-          <p:cNvSpPr>
-            <a:spLocks noGrp="1"/>
-          </p:cNvSpPr>
-          <p:nvPr>
-            <p:ph type="ctrTitle"/>
-          </p:nvPr>
-        </p:nvSpPr>
-        <p:spPr/>
-        <p:txBody>
-          <a:bodyPr/>
-          <a:lstStyle/>
-          <a:p>
-            <a:endParaRPr lang="ko-KR" altLang="en-US"/>
-          </a:p>
-        </p:txBody>
-      </p:sp>
-      <p:sp>
-        <p:nvSpPr>
-          <p:cNvPr id="3" name="부제목 2">
-            <a:extLst>
-              <a:ext uri="{FF2B5EF4-FFF2-40B4-BE49-F238E27FC236}">
-                <a16:creationId xmlns:a16="http://schemas.microsoft.com/office/drawing/2014/main" id="{B58EF64B-1E35-4EDA-BE70-146972644A4E}"/>
-              </a:ext>
-            </a:extLst>
-          </p:cNvPr>
-          <p:cNvSpPr>
-            <a:spLocks noGrp="1"/>
-          </p:cNvSpPr>
-          <p:nvPr>
-            <p:ph type="subTitle" idx="1"/>
-          </p:nvPr>
-        </p:nvSpPr>
-        <p:spPr/>
-        <p:txBody>
-          <a:bodyPr/>
-          <a:lstStyle/>
-          <a:p>
-            <a:endParaRPr lang="ko-KR" altLang="en-US"/>
-          </a:p>
-        </p:txBody>
-      </p:sp>
-      <p:pic>
-        <p:nvPicPr>
-          <p:cNvPr id="5" name="그림 4">
-            <a:extLst>
-              <a:ext uri="{FF2B5EF4-FFF2-40B4-BE49-F238E27FC236}">
-                <a16:creationId xmlns:a16="http://schemas.microsoft.com/office/drawing/2014/main" id="{AA973F65-C8A1-4F01-A1C3-0634F49DF801}"/>
-              </a:ext>
-            </a:extLst>
-          </p:cNvPr>
-          <p:cNvPicPr>
-            <a:picLocks noChangeAspect="1"/>
-          </p:cNvPicPr>
+      <p:grpSp>
+        <p:nvGrpSpPr>
+          <p:cNvPr id="6" name="그룹 5">
+            <a:extLst>
+              <a:ext uri="{FF2B5EF4-FFF2-40B4-BE49-F238E27FC236}">
+                <a16:creationId xmlns:a16="http://schemas.microsoft.com/office/drawing/2014/main" id="{CA07463D-1E61-47C8-A2F1-C4552A1BF3F8}"/>
+              </a:ext>
+            </a:extLst>
+          </p:cNvPr>
+          <p:cNvGrpSpPr/>
           <p:nvPr/>
-        </p:nvPicPr>
-        <p:blipFill>
-          <a:blip r:embed="rId2"/>
-          <a:stretch>
-            <a:fillRect/>
-          </a:stretch>
-        </p:blipFill>
-        <p:spPr>
+        </p:nvGrpSpPr>
+        <p:grpSpPr>
           <a:xfrm>
-            <a:off x="2851770" y="0"/>
-            <a:ext cx="6488459" cy="6858000"/>
+            <a:off x="3062037" y="643689"/>
+            <a:ext cx="5420226" cy="5486400"/>
+            <a:chOff x="3062037" y="643689"/>
+            <a:chExt cx="5420226" cy="5486400"/>
           </a:xfrm>
-          <a:prstGeom prst="rect">
-            <a:avLst/>
-          </a:prstGeom>
-        </p:spPr>
-      </p:pic>
+        </p:grpSpPr>
+        <p:sp>
+          <p:nvSpPr>
+            <p:cNvPr id="4" name="직사각형 3">
+              <a:extLst>
+                <a:ext uri="{FF2B5EF4-FFF2-40B4-BE49-F238E27FC236}">
+                  <a16:creationId xmlns:a16="http://schemas.microsoft.com/office/drawing/2014/main" id="{15EAE15B-8E39-428C-A2A8-351BE9690F72}"/>
+                </a:ext>
+              </a:extLst>
+            </p:cNvPr>
+            <p:cNvSpPr/>
+            <p:nvPr/>
+          </p:nvSpPr>
+          <p:spPr>
+            <a:xfrm>
+              <a:off x="3062037" y="643689"/>
+              <a:ext cx="5420226" cy="5486400"/>
+            </a:xfrm>
+            <a:prstGeom prst="rect">
+              <a:avLst/>
+            </a:prstGeom>
+            <a:noFill/>
+            <a:ln>
+              <a:noFill/>
+            </a:ln>
+          </p:spPr>
+          <p:style>
+            <a:lnRef idx="2">
+              <a:schemeClr val="accent1">
+                <a:shade val="50000"/>
+              </a:schemeClr>
+            </a:lnRef>
+            <a:fillRef idx="1">
+              <a:schemeClr val="accent1"/>
+            </a:fillRef>
+            <a:effectRef idx="0">
+              <a:schemeClr val="accent1"/>
+            </a:effectRef>
+            <a:fontRef idx="minor">
+              <a:schemeClr val="lt1"/>
+            </a:fontRef>
+          </p:style>
+          <p:txBody>
+            <a:bodyPr rtlCol="0" anchor="ctr"/>
+            <a:lstStyle/>
+            <a:p>
+              <a:pPr algn="ctr"/>
+              <a:endParaRPr lang="ko-KR" altLang="en-US"/>
+            </a:p>
+          </p:txBody>
+        </p:sp>
+        <p:pic>
+          <p:nvPicPr>
+            <p:cNvPr id="5" name="그림 4">
+              <a:extLst>
+                <a:ext uri="{FF2B5EF4-FFF2-40B4-BE49-F238E27FC236}">
+                  <a16:creationId xmlns:a16="http://schemas.microsoft.com/office/drawing/2014/main" id="{AA973F65-C8A1-4F01-A1C3-0634F49DF801}"/>
+                </a:ext>
+              </a:extLst>
+            </p:cNvPr>
+            <p:cNvPicPr>
+              <a:picLocks noChangeAspect="1"/>
+            </p:cNvPicPr>
+            <p:nvPr/>
+          </p:nvPicPr>
+          <p:blipFill>
+            <a:blip r:embed="rId2"/>
+            <a:stretch>
+              <a:fillRect/>
+            </a:stretch>
+          </p:blipFill>
+          <p:spPr>
+            <a:xfrm>
+              <a:off x="3806787" y="1353552"/>
+              <a:ext cx="3927225" cy="4150895"/>
+            </a:xfrm>
+            <a:prstGeom prst="rect">
+              <a:avLst/>
+            </a:prstGeom>
+          </p:spPr>
+        </p:pic>
+      </p:grpSp>
     </p:spTree>
     <p:extLst>
       <p:ext uri="{BB962C8B-B14F-4D97-AF65-F5344CB8AC3E}">
@@ -3494,39 +3520,113 @@
           </a:p>
         </p:txBody>
       </p:sp>
-      <p:pic>
-        <p:nvPicPr>
-          <p:cNvPr id="5" name="그림 4">
-            <a:extLst>
-              <a:ext uri="{FF2B5EF4-FFF2-40B4-BE49-F238E27FC236}">
-                <a16:creationId xmlns:a16="http://schemas.microsoft.com/office/drawing/2014/main" id="{3D0C271D-2D99-4703-BC2B-2A6B1B1FD5CC}"/>
-              </a:ext>
-            </a:extLst>
-          </p:cNvPr>
-          <p:cNvPicPr>
-            <a:picLocks noChangeAspect="1"/>
-          </p:cNvPicPr>
+      <p:grpSp>
+        <p:nvGrpSpPr>
+          <p:cNvPr id="7" name="그룹 6">
+            <a:extLst>
+              <a:ext uri="{FF2B5EF4-FFF2-40B4-BE49-F238E27FC236}">
+                <a16:creationId xmlns:a16="http://schemas.microsoft.com/office/drawing/2014/main" id="{3B94BF76-BD00-463A-B505-3D20A7BAC51B}"/>
+              </a:ext>
+            </a:extLst>
+          </p:cNvPr>
+          <p:cNvGrpSpPr/>
           <p:nvPr/>
-        </p:nvPicPr>
-        <p:blipFill rotWithShape="1">
-          <a:blip r:embed="rId2"/>
-          <a:srcRect t="1303"/>
-          <a:stretch/>
-        </p:blipFill>
-        <p:spPr>
+        </p:nvGrpSpPr>
+        <p:grpSpPr>
           <a:xfrm>
-            <a:off x="1476375" y="1838036"/>
-            <a:ext cx="9239250" cy="3224501"/>
+            <a:off x="3543299" y="547279"/>
+            <a:ext cx="5217578" cy="4406082"/>
+            <a:chOff x="3543299" y="547279"/>
+            <a:chExt cx="5217578" cy="4406082"/>
           </a:xfrm>
-          <a:prstGeom prst="rect">
-            <a:avLst/>
-          </a:prstGeom>
-        </p:spPr>
-      </p:pic>
+        </p:grpSpPr>
+        <p:pic>
+          <p:nvPicPr>
+            <p:cNvPr id="5" name="그림 4">
+              <a:extLst>
+                <a:ext uri="{FF2B5EF4-FFF2-40B4-BE49-F238E27FC236}">
+                  <a16:creationId xmlns:a16="http://schemas.microsoft.com/office/drawing/2014/main" id="{0CD0C3F9-2BF0-444A-8140-10FBBF73CBA1}"/>
+                </a:ext>
+              </a:extLst>
+            </p:cNvPr>
+            <p:cNvPicPr>
+              <a:picLocks noChangeAspect="1"/>
+            </p:cNvPicPr>
+            <p:nvPr/>
+          </p:nvPicPr>
+          <p:blipFill>
+            <a:blip r:embed="rId2"/>
+            <a:stretch>
+              <a:fillRect/>
+            </a:stretch>
+          </p:blipFill>
+          <p:spPr>
+            <a:xfrm>
+              <a:off x="3543299" y="547279"/>
+              <a:ext cx="5217578" cy="4406082"/>
+            </a:xfrm>
+            <a:prstGeom prst="rect">
+              <a:avLst/>
+            </a:prstGeom>
+          </p:spPr>
+        </p:pic>
+        <p:sp>
+          <p:nvSpPr>
+            <p:cNvPr id="6" name="직사각형 5">
+              <a:extLst>
+                <a:ext uri="{FF2B5EF4-FFF2-40B4-BE49-F238E27FC236}">
+                  <a16:creationId xmlns:a16="http://schemas.microsoft.com/office/drawing/2014/main" id="{F3D07531-E56D-4C62-9BDE-AF632587FDE7}"/>
+                </a:ext>
+              </a:extLst>
+            </p:cNvPr>
+            <p:cNvSpPr/>
+            <p:nvPr/>
+          </p:nvSpPr>
+          <p:spPr>
+            <a:xfrm>
+              <a:off x="4205037" y="4138864"/>
+              <a:ext cx="1040731" cy="770021"/>
+            </a:xfrm>
+            <a:prstGeom prst="rect">
+              <a:avLst/>
+            </a:prstGeom>
+            <a:noFill/>
+            <a:ln w="19050">
+              <a:solidFill>
+                <a:srgbClr val="FF0000"/>
+              </a:solidFill>
+            </a:ln>
+          </p:spPr>
+          <p:style>
+            <a:lnRef idx="2">
+              <a:schemeClr val="accent1">
+                <a:shade val="50000"/>
+              </a:schemeClr>
+            </a:lnRef>
+            <a:fillRef idx="1">
+              <a:schemeClr val="accent1"/>
+            </a:fillRef>
+            <a:effectRef idx="0">
+              <a:schemeClr val="accent1"/>
+            </a:effectRef>
+            <a:fontRef idx="minor">
+              <a:schemeClr val="lt1"/>
+            </a:fontRef>
+          </p:style>
+          <p:txBody>
+            <a:bodyPr rtlCol="0" anchor="ctr"/>
+            <a:lstStyle/>
+            <a:p>
+              <a:pPr algn="ctr"/>
+              <a:endParaRPr lang="ko-KR" altLang="en-US"/>
+            </a:p>
+          </p:txBody>
+        </p:sp>
+      </p:grpSp>
     </p:spTree>
     <p:extLst>
       <p:ext uri="{BB962C8B-B14F-4D97-AF65-F5344CB8AC3E}">
-        <p14:creationId xmlns:p14="http://schemas.microsoft.com/office/powerpoint/2010/main" val="3554830225"/>
+        <p14:creationId xmlns:p14="http://schemas.microsoft.com/office/powerpoint/2010/main" val="68596182"/>
       </p:ext>
     </p:extLst>
   </p:cSld>
@@ -3608,7 +3708,7 @@
           <p:cNvPr id="5" name="그림 4">
             <a:extLst>
               <a:ext uri="{FF2B5EF4-FFF2-40B4-BE49-F238E27FC236}">
-                <a16:creationId xmlns:a16="http://schemas.microsoft.com/office/drawing/2014/main" id="{0CD0C3F9-2BF0-444A-8140-10FBBF73CBA1}"/>
+                <a16:creationId xmlns:a16="http://schemas.microsoft.com/office/drawing/2014/main" id="{9A1F6A3E-4270-47ED-AA70-2F68E1A2F31D}"/>
               </a:ext>
             </a:extLst>
           </p:cNvPr>
@@ -3625,8 +3725,8 @@
         </p:blipFill>
         <p:spPr>
           <a:xfrm>
-            <a:off x="2035459" y="0"/>
-            <a:ext cx="8121082" cy="6858000"/>
+            <a:off x="1586164" y="2288805"/>
+            <a:ext cx="9143999" cy="2442316"/>
           </a:xfrm>
           <a:prstGeom prst="rect">
             <a:avLst/>
@@ -3636,7 +3736,7 @@
     </p:spTree>
     <p:extLst>
       <p:ext uri="{BB962C8B-B14F-4D97-AF65-F5344CB8AC3E}">
-        <p14:creationId xmlns:p14="http://schemas.microsoft.com/office/powerpoint/2010/main" val="68596182"/>
+        <p14:creationId xmlns:p14="http://schemas.microsoft.com/office/powerpoint/2010/main" val="810726060"/>
       </p:ext>
     </p:extLst>
   </p:cSld>
@@ -3684,7 +3784,7 @@
           <a:bodyPr/>
           <a:lstStyle/>
           <a:p>
-            <a:endParaRPr lang="ko-KR" altLang="en-US"/>
+            <a:endParaRPr lang="ko-KR" altLang="en-US" dirty="0"/>
           </a:p>
         </p:txBody>
       </p:sp>
@@ -3709,16 +3809,16 @@
           <a:bodyPr/>
           <a:lstStyle/>
           <a:p>
-            <a:endParaRPr lang="ko-KR" altLang="en-US"/>
+            <a:endParaRPr lang="ko-KR" altLang="en-US" dirty="0"/>
           </a:p>
         </p:txBody>
       </p:sp>
       <p:pic>
         <p:nvPicPr>
-          <p:cNvPr id="5" name="그림 4">
-            <a:extLst>
-              <a:ext uri="{FF2B5EF4-FFF2-40B4-BE49-F238E27FC236}">
-                <a16:creationId xmlns:a16="http://schemas.microsoft.com/office/drawing/2014/main" id="{AFBDD582-A8DE-44FE-B7B1-EDA91C690327}"/>
+          <p:cNvPr id="6" name="그림 5">
+            <a:extLst>
+              <a:ext uri="{FF2B5EF4-FFF2-40B4-BE49-F238E27FC236}">
+                <a16:creationId xmlns:a16="http://schemas.microsoft.com/office/drawing/2014/main" id="{B53D335C-8F24-4BD5-B924-9C851A9191F1}"/>
               </a:ext>
             </a:extLst>
           </p:cNvPr>
@@ -3735,8 +3835,8 @@
         </p:blipFill>
         <p:spPr>
           <a:xfrm>
-            <a:off x="1076325" y="1690687"/>
-            <a:ext cx="10039350" cy="3476625"/>
+            <a:off x="3284622" y="2806656"/>
+            <a:ext cx="5975433" cy="1244687"/>
           </a:xfrm>
           <a:prstGeom prst="rect">
             <a:avLst/>
@@ -3819,7 +3919,7 @@
           <a:bodyPr/>
           <a:lstStyle/>
           <a:p>
-            <a:endParaRPr lang="ko-KR" altLang="en-US"/>
+            <a:endParaRPr lang="ko-KR" altLang="en-US" dirty="0"/>
           </a:p>
         </p:txBody>
       </p:sp>
@@ -3828,7 +3928,7 @@
           <p:cNvPr id="5" name="그림 4">
             <a:extLst>
               <a:ext uri="{FF2B5EF4-FFF2-40B4-BE49-F238E27FC236}">
-                <a16:creationId xmlns:a16="http://schemas.microsoft.com/office/drawing/2014/main" id="{EFF45129-3E54-41D8-B9EF-C66212A11F41}"/>
+                <a16:creationId xmlns:a16="http://schemas.microsoft.com/office/drawing/2014/main" id="{AFBDD582-A8DE-44FE-B7B1-EDA91C690327}"/>
               </a:ext>
             </a:extLst>
           </p:cNvPr>
@@ -3845,8 +3945,8 @@
         </p:blipFill>
         <p:spPr>
           <a:xfrm>
-            <a:off x="1109662" y="80962"/>
-            <a:ext cx="9972675" cy="6696075"/>
+            <a:off x="3104152" y="2473886"/>
+            <a:ext cx="5983696" cy="2072153"/>
           </a:xfrm>
           <a:prstGeom prst="rect">
             <a:avLst/>
@@ -3856,7 +3956,7 @@
     </p:spTree>
     <p:extLst>
       <p:ext uri="{BB962C8B-B14F-4D97-AF65-F5344CB8AC3E}">
-        <p14:creationId xmlns:p14="http://schemas.microsoft.com/office/powerpoint/2010/main" val="1459221133"/>
+        <p14:creationId xmlns:p14="http://schemas.microsoft.com/office/powerpoint/2010/main" val="1776850930"/>
       </p:ext>
     </p:extLst>
   </p:cSld>
@@ -3933,10 +4033,40 @@
           </a:p>
         </p:txBody>
       </p:sp>
+      <p:pic>
+        <p:nvPicPr>
+          <p:cNvPr id="5" name="그림 4">
+            <a:extLst>
+              <a:ext uri="{FF2B5EF4-FFF2-40B4-BE49-F238E27FC236}">
+                <a16:creationId xmlns:a16="http://schemas.microsoft.com/office/drawing/2014/main" id="{EFF45129-3E54-41D8-B9EF-C66212A11F41}"/>
+              </a:ext>
+            </a:extLst>
+          </p:cNvPr>
+          <p:cNvPicPr>
+            <a:picLocks noChangeAspect="1"/>
+          </p:cNvPicPr>
+          <p:nvPr/>
+        </p:nvPicPr>
+        <p:blipFill>
+          <a:blip r:embed="rId2"/>
+          <a:stretch>
+            <a:fillRect/>
+          </a:stretch>
+        </p:blipFill>
+        <p:spPr>
+          <a:xfrm>
+            <a:off x="3646947" y="1957640"/>
+            <a:ext cx="4898106" cy="3288795"/>
+          </a:xfrm>
+          <a:prstGeom prst="rect">
+            <a:avLst/>
+          </a:prstGeom>
+        </p:spPr>
+      </p:pic>
     </p:spTree>
     <p:extLst>
       <p:ext uri="{BB962C8B-B14F-4D97-AF65-F5344CB8AC3E}">
-        <p14:creationId xmlns:p14="http://schemas.microsoft.com/office/powerpoint/2010/main" val="810726060"/>
+        <p14:creationId xmlns:p14="http://schemas.microsoft.com/office/powerpoint/2010/main" val="1459221133"/>
       </p:ext>
     </p:extLst>
   </p:cSld>
@@ -3984,7 +4114,7 @@
           <a:bodyPr/>
           <a:lstStyle/>
           <a:p>
-            <a:endParaRPr lang="ko-KR" altLang="en-US"/>
+            <a:endParaRPr lang="ko-KR" altLang="en-US" dirty="0"/>
           </a:p>
         </p:txBody>
       </p:sp>
@@ -4018,7 +4148,7 @@
           <p:cNvPr id="5" name="그림 4">
             <a:extLst>
               <a:ext uri="{FF2B5EF4-FFF2-40B4-BE49-F238E27FC236}">
-                <a16:creationId xmlns:a16="http://schemas.microsoft.com/office/drawing/2014/main" id="{D0B1C5FC-5DA9-465E-8DB2-BCF840BC1463}"/>
+                <a16:creationId xmlns:a16="http://schemas.microsoft.com/office/drawing/2014/main" id="{AA973F65-C8A1-4F01-A1C3-0634F49DF801}"/>
               </a:ext>
             </a:extLst>
           </p:cNvPr>
@@ -4035,8 +4165,8 @@
         </p:blipFill>
         <p:spPr>
           <a:xfrm>
-            <a:off x="981075" y="2366962"/>
-            <a:ext cx="10229850" cy="2124075"/>
+            <a:off x="3421776" y="837309"/>
+            <a:ext cx="4904076" cy="5183381"/>
           </a:xfrm>
           <a:prstGeom prst="rect">
             <a:avLst/>
@@ -4046,7 +4176,7 @@
     </p:spTree>
     <p:extLst>
       <p:ext uri="{BB962C8B-B14F-4D97-AF65-F5344CB8AC3E}">
-        <p14:creationId xmlns:p14="http://schemas.microsoft.com/office/powerpoint/2010/main" val="1586537276"/>
+        <p14:creationId xmlns:p14="http://schemas.microsoft.com/office/powerpoint/2010/main" val="1815256899"/>
       </p:ext>
     </p:extLst>
   </p:cSld>
@@ -4137,16 +4267,15 @@
           </p:cNvPicPr>
           <p:nvPr/>
         </p:nvPicPr>
-        <p:blipFill>
+        <p:blipFill rotWithShape="1">
           <a:blip r:embed="rId2"/>
-          <a:stretch>
-            <a:fillRect/>
-          </a:stretch>
+          <a:srcRect t="3219"/>
+          <a:stretch/>
         </p:blipFill>
         <p:spPr>
           <a:xfrm>
-            <a:off x="981075" y="2443162"/>
-            <a:ext cx="10229850" cy="1971675"/>
+            <a:off x="3187540" y="2713439"/>
+            <a:ext cx="5816920" cy="1085045"/>
           </a:xfrm>
           <a:prstGeom prst="rect">
             <a:avLst/>
@@ -4238,7 +4367,7 @@
           <p:cNvPr id="5" name="그림 4">
             <a:extLst>
               <a:ext uri="{FF2B5EF4-FFF2-40B4-BE49-F238E27FC236}">
-                <a16:creationId xmlns:a16="http://schemas.microsoft.com/office/drawing/2014/main" id="{DCDCA662-8F69-4DBB-8084-CA295074AFA2}"/>
+                <a16:creationId xmlns:a16="http://schemas.microsoft.com/office/drawing/2014/main" id="{0CE8C1D8-0E79-4701-A11C-1CE7BBB99586}"/>
               </a:ext>
             </a:extLst>
           </p:cNvPr>
@@ -4247,16 +4376,15 @@
           </p:cNvPicPr>
           <p:nvPr/>
         </p:nvPicPr>
-        <p:blipFill>
+        <p:blipFill rotWithShape="1">
           <a:blip r:embed="rId2"/>
-          <a:stretch>
-            <a:fillRect/>
-          </a:stretch>
+          <a:srcRect t="3260"/>
+          <a:stretch/>
         </p:blipFill>
         <p:spPr>
           <a:xfrm>
-            <a:off x="2724150" y="285750"/>
-            <a:ext cx="6743700" cy="6286500"/>
+            <a:off x="3025941" y="2848226"/>
+            <a:ext cx="6019482" cy="1323474"/>
           </a:xfrm>
           <a:prstGeom prst="rect">
             <a:avLst/>
@@ -4266,7 +4394,7 @@
     </p:spTree>
     <p:extLst>
       <p:ext uri="{BB962C8B-B14F-4D97-AF65-F5344CB8AC3E}">
-        <p14:creationId xmlns:p14="http://schemas.microsoft.com/office/powerpoint/2010/main" val="1707985870"/>
+        <p14:creationId xmlns:p14="http://schemas.microsoft.com/office/powerpoint/2010/main" val="3044778315"/>
       </p:ext>
     </p:extLst>
   </p:cSld>
@@ -4339,44 +4467,95 @@
           <a:bodyPr/>
           <a:lstStyle/>
           <a:p>
-            <a:endParaRPr lang="ko-KR" altLang="en-US"/>
-          </a:p>
-        </p:txBody>
-      </p:sp>
-      <p:pic>
-        <p:nvPicPr>
-          <p:cNvPr id="5" name="그림 4">
-            <a:extLst>
-              <a:ext uri="{FF2B5EF4-FFF2-40B4-BE49-F238E27FC236}">
-                <a16:creationId xmlns:a16="http://schemas.microsoft.com/office/drawing/2014/main" id="{44C4E4E4-5C62-4FC6-A1FF-DD5D0CE03A9B}"/>
-              </a:ext>
-            </a:extLst>
-          </p:cNvPr>
-          <p:cNvPicPr>
-            <a:picLocks noChangeAspect="1"/>
-          </p:cNvPicPr>
+            <a:endParaRPr lang="ko-KR" altLang="en-US" dirty="0"/>
+          </a:p>
+        </p:txBody>
+      </p:sp>
+      <p:grpSp>
+        <p:nvGrpSpPr>
+          <p:cNvPr id="7" name="그룹 6">
+            <a:extLst>
+              <a:ext uri="{FF2B5EF4-FFF2-40B4-BE49-F238E27FC236}">
+                <a16:creationId xmlns:a16="http://schemas.microsoft.com/office/drawing/2014/main" id="{4D5C5264-D345-4526-A8DA-8A83247E2D8B}"/>
+              </a:ext>
+            </a:extLst>
+          </p:cNvPr>
+          <p:cNvGrpSpPr/>
           <p:nvPr/>
-        </p:nvPicPr>
-        <p:blipFill>
-          <a:blip r:embed="rId2"/>
-          <a:stretch>
-            <a:fillRect/>
-          </a:stretch>
-        </p:blipFill>
-        <p:spPr>
+        </p:nvGrpSpPr>
+        <p:grpSpPr>
           <a:xfrm>
-            <a:off x="1014412" y="2090737"/>
-            <a:ext cx="10163175" cy="2676525"/>
+            <a:off x="3967269" y="1122363"/>
+            <a:ext cx="3574526" cy="3052206"/>
+            <a:chOff x="3967269" y="1122363"/>
+            <a:chExt cx="3574526" cy="3052206"/>
           </a:xfrm>
-          <a:prstGeom prst="rect">
-            <a:avLst/>
-          </a:prstGeom>
-        </p:spPr>
-      </p:pic>
+        </p:grpSpPr>
+        <p:pic>
+          <p:nvPicPr>
+            <p:cNvPr id="5" name="그림 4">
+              <a:extLst>
+                <a:ext uri="{FF2B5EF4-FFF2-40B4-BE49-F238E27FC236}">
+                  <a16:creationId xmlns:a16="http://schemas.microsoft.com/office/drawing/2014/main" id="{4E9B3066-D813-4D4A-98FE-D3EAF900857A}"/>
+                </a:ext>
+              </a:extLst>
+            </p:cNvPr>
+            <p:cNvPicPr>
+              <a:picLocks noChangeAspect="1"/>
+            </p:cNvPicPr>
+            <p:nvPr/>
+          </p:nvPicPr>
+          <p:blipFill>
+            <a:blip r:embed="rId2"/>
+            <a:stretch>
+              <a:fillRect/>
+            </a:stretch>
+          </p:blipFill>
+          <p:spPr>
+            <a:xfrm>
+              <a:off x="3967269" y="1122363"/>
+              <a:ext cx="3574526" cy="1705636"/>
+            </a:xfrm>
+            <a:prstGeom prst="rect">
+              <a:avLst/>
+            </a:prstGeom>
+          </p:spPr>
+        </p:pic>
+        <p:pic>
+          <p:nvPicPr>
+            <p:cNvPr id="6" name="그림 5">
+              <a:extLst>
+                <a:ext uri="{FF2B5EF4-FFF2-40B4-BE49-F238E27FC236}">
+                  <a16:creationId xmlns:a16="http://schemas.microsoft.com/office/drawing/2014/main" id="{12B95CC2-C2AC-40BD-A0A9-811BFE9870F0}"/>
+                </a:ext>
+              </a:extLst>
+            </p:cNvPr>
+            <p:cNvPicPr>
+              <a:picLocks noChangeAspect="1"/>
+            </p:cNvPicPr>
+            <p:nvPr/>
+          </p:nvPicPr>
+          <p:blipFill>
+            <a:blip r:embed="rId3"/>
+            <a:stretch>
+              <a:fillRect/>
+            </a:stretch>
+          </p:blipFill>
+          <p:spPr>
+            <a:xfrm>
+              <a:off x="4195725" y="2827999"/>
+              <a:ext cx="3143538" cy="1346570"/>
+            </a:xfrm>
+            <a:prstGeom prst="rect">
+              <a:avLst/>
+            </a:prstGeom>
+          </p:spPr>
+        </p:pic>
+      </p:grpSp>
     </p:spTree>
     <p:extLst>
       <p:ext uri="{BB962C8B-B14F-4D97-AF65-F5344CB8AC3E}">
-        <p14:creationId xmlns:p14="http://schemas.microsoft.com/office/powerpoint/2010/main" val="3809078347"/>
+        <p14:creationId xmlns:p14="http://schemas.microsoft.com/office/powerpoint/2010/main" val="87445221"/>
       </p:ext>
     </p:extLst>
   </p:cSld>
@@ -4458,7 +4637,7 @@
           <p:cNvPr id="5" name="그림 4">
             <a:extLst>
               <a:ext uri="{FF2B5EF4-FFF2-40B4-BE49-F238E27FC236}">
-                <a16:creationId xmlns:a16="http://schemas.microsoft.com/office/drawing/2014/main" id="{4B212DE9-FE60-4F41-B760-B77F426EF162}"/>
+                <a16:creationId xmlns:a16="http://schemas.microsoft.com/office/drawing/2014/main" id="{DCDCA662-8F69-4DBB-8084-CA295074AFA2}"/>
               </a:ext>
             </a:extLst>
           </p:cNvPr>
@@ -4475,8 +4654,8 @@
         </p:blipFill>
         <p:spPr>
           <a:xfrm>
-            <a:off x="1204912" y="1343025"/>
-            <a:ext cx="9782175" cy="4171950"/>
+            <a:off x="3970420" y="1538557"/>
+            <a:ext cx="3989733" cy="3719243"/>
           </a:xfrm>
           <a:prstGeom prst="rect">
             <a:avLst/>
@@ -4486,7 +4665,7 @@
     </p:spTree>
     <p:extLst>
       <p:ext uri="{BB962C8B-B14F-4D97-AF65-F5344CB8AC3E}">
-        <p14:creationId xmlns:p14="http://schemas.microsoft.com/office/powerpoint/2010/main" val="704957831"/>
+        <p14:creationId xmlns:p14="http://schemas.microsoft.com/office/powerpoint/2010/main" val="1707985870"/>
       </p:ext>
     </p:extLst>
   </p:cSld>
@@ -4568,7 +4747,7 @@
           <p:cNvPr id="5" name="그림 4">
             <a:extLst>
               <a:ext uri="{FF2B5EF4-FFF2-40B4-BE49-F238E27FC236}">
-                <a16:creationId xmlns:a16="http://schemas.microsoft.com/office/drawing/2014/main" id="{F856DDCE-2708-4681-B0D5-2765235E7E0F}"/>
+                <a16:creationId xmlns:a16="http://schemas.microsoft.com/office/drawing/2014/main" id="{44C4E4E4-5C62-4FC6-A1FF-DD5D0CE03A9B}"/>
               </a:ext>
             </a:extLst>
           </p:cNvPr>
@@ -4585,8 +4764,8 @@
         </p:blipFill>
         <p:spPr>
           <a:xfrm>
-            <a:off x="1441704" y="0"/>
-            <a:ext cx="9308592" cy="6858000"/>
+            <a:off x="3648708" y="2710113"/>
+            <a:ext cx="5459448" cy="1437774"/>
           </a:xfrm>
           <a:prstGeom prst="rect">
             <a:avLst/>
@@ -4596,7 +4775,7 @@
     </p:spTree>
     <p:extLst>
       <p:ext uri="{BB962C8B-B14F-4D97-AF65-F5344CB8AC3E}">
-        <p14:creationId xmlns:p14="http://schemas.microsoft.com/office/powerpoint/2010/main" val="1908787479"/>
+        <p14:creationId xmlns:p14="http://schemas.microsoft.com/office/powerpoint/2010/main" val="3809078347"/>
       </p:ext>
     </p:extLst>
   </p:cSld>
@@ -4678,7 +4857,7 @@
           <p:cNvPr id="5" name="그림 4">
             <a:extLst>
               <a:ext uri="{FF2B5EF4-FFF2-40B4-BE49-F238E27FC236}">
-                <a16:creationId xmlns:a16="http://schemas.microsoft.com/office/drawing/2014/main" id="{0CE8C1D8-0E79-4701-A11C-1CE7BBB99586}"/>
+                <a16:creationId xmlns:a16="http://schemas.microsoft.com/office/drawing/2014/main" id="{4B212DE9-FE60-4F41-B760-B77F426EF162}"/>
               </a:ext>
             </a:extLst>
           </p:cNvPr>
@@ -4695,8 +4874,8 @@
         </p:blipFill>
         <p:spPr>
           <a:xfrm>
-            <a:off x="1066800" y="2286000"/>
-            <a:ext cx="10058400" cy="2286000"/>
+            <a:off x="3525691" y="2413765"/>
+            <a:ext cx="5140617" cy="2192395"/>
           </a:xfrm>
           <a:prstGeom prst="rect">
             <a:avLst/>
@@ -4706,7 +4885,7 @@
     </p:spTree>
     <p:extLst>
       <p:ext uri="{BB962C8B-B14F-4D97-AF65-F5344CB8AC3E}">
-        <p14:creationId xmlns:p14="http://schemas.microsoft.com/office/powerpoint/2010/main" val="3044778315"/>
+        <p14:creationId xmlns:p14="http://schemas.microsoft.com/office/powerpoint/2010/main" val="704957831"/>
       </p:ext>
     </p:extLst>
   </p:cSld>
@@ -4788,7 +4967,7 @@
           <p:cNvPr id="5" name="그림 4">
             <a:extLst>
               <a:ext uri="{FF2B5EF4-FFF2-40B4-BE49-F238E27FC236}">
-                <a16:creationId xmlns:a16="http://schemas.microsoft.com/office/drawing/2014/main" id="{4E9B3066-D813-4D4A-98FE-D3EAF900857A}"/>
+                <a16:creationId xmlns:a16="http://schemas.microsoft.com/office/drawing/2014/main" id="{3D0C271D-2D99-4703-BC2B-2A6B1B1FD5CC}"/>
               </a:ext>
             </a:extLst>
           </p:cNvPr>
@@ -4797,16 +4976,15 @@
           </p:cNvPicPr>
           <p:nvPr/>
         </p:nvPicPr>
-        <p:blipFill>
+        <p:blipFill rotWithShape="1">
           <a:blip r:embed="rId2"/>
-          <a:stretch>
-            <a:fillRect/>
-          </a:stretch>
+          <a:srcRect t="1303"/>
+          <a:stretch/>
         </p:blipFill>
         <p:spPr>
           <a:xfrm>
-            <a:off x="0" y="520206"/>
-            <a:ext cx="12192000" cy="5817587"/>
+            <a:off x="3457224" y="2682082"/>
+            <a:ext cx="4744301" cy="1655762"/>
           </a:xfrm>
           <a:prstGeom prst="rect">
             <a:avLst/>
@@ -4816,7 +4994,7 @@
     </p:spTree>
     <p:extLst>
       <p:ext uri="{BB962C8B-B14F-4D97-AF65-F5344CB8AC3E}">
-        <p14:creationId xmlns:p14="http://schemas.microsoft.com/office/powerpoint/2010/main" val="87445221"/>
+        <p14:creationId xmlns:p14="http://schemas.microsoft.com/office/powerpoint/2010/main" val="3554830225"/>
       </p:ext>
     </p:extLst>
   </p:cSld>
